--- a/docs/diagrams/StorageComponentClassDiagramV1-5.pptx
+++ b/docs/diagrams/StorageComponentClassDiagramV1-5.pptx
@@ -126,6 +126,10 @@
 </p:presentation>
 </file>
 
+<file path=ppt/revisionInfo.xml><?xml version="1.0" encoding="utf-8"?>
+<p1510:revInfo xmlns:a="http://schemas.openxmlformats.org/drawingml/2006/main" xmlns:r="http://schemas.openxmlformats.org/officeDocument/2006/relationships" xmlns:p1510="http://schemas.microsoft.com/office/powerpoint/2015/10/main"/>
+</file>
+
 <file path=ppt/notesMasters/notesMaster1.xml><?xml version="1.0" encoding="utf-8"?>
 <p:notesMaster xmlns:a="http://schemas.openxmlformats.org/drawingml/2006/main" xmlns:r="http://schemas.openxmlformats.org/officeDocument/2006/relationships" xmlns:p="http://schemas.openxmlformats.org/presentationml/2006/main">
   <p:cSld>
@@ -208,7 +212,7 @@
           <a:p>
             <a:fld id="{F5CC4B3F-88C1-4FFA-B1B6-F41C21DC6924}" type="datetimeFigureOut">
               <a:rPr lang="en-US" smtClean="0"/>
-              <a:t>11/11/17</a:t>
+              <a:t>11/13/2017</a:t>
             </a:fld>
             <a:endParaRPr lang="en-US"/>
           </a:p>
@@ -272,38 +276,37 @@
           <a:p>
             <a:pPr lvl="0"/>
             <a:r>
-              <a:rPr lang="en-US" smtClean="0"/>
+              <a:rPr lang="en-US"/>
               <a:t>Click to edit Master text styles</a:t>
             </a:r>
           </a:p>
           <a:p>
             <a:pPr lvl="1"/>
             <a:r>
-              <a:rPr lang="en-US" smtClean="0"/>
+              <a:rPr lang="en-US"/>
               <a:t>Second level</a:t>
             </a:r>
           </a:p>
           <a:p>
             <a:pPr lvl="2"/>
             <a:r>
-              <a:rPr lang="en-US" smtClean="0"/>
+              <a:rPr lang="en-US"/>
               <a:t>Third level</a:t>
             </a:r>
           </a:p>
           <a:p>
             <a:pPr lvl="3"/>
             <a:r>
-              <a:rPr lang="en-US" smtClean="0"/>
+              <a:rPr lang="en-US"/>
               <a:t>Fourth level</a:t>
             </a:r>
           </a:p>
           <a:p>
             <a:pPr lvl="4"/>
             <a:r>
-              <a:rPr lang="en-US" smtClean="0"/>
+              <a:rPr lang="en-US"/>
               <a:t>Fifth level</a:t>
             </a:r>
-            <a:endParaRPr lang="en-US"/>
           </a:p>
         </p:txBody>
       </p:sp>
@@ -514,10 +517,9 @@
           <a:lstStyle/>
           <a:p>
             <a:r>
-              <a:rPr lang="en-US" smtClean="0"/>
+              <a:rPr lang="en-US"/>
               <a:t>Click to edit Master title style</a:t>
             </a:r>
-            <a:endParaRPr lang="en-US"/>
           </a:p>
         </p:txBody>
       </p:sp>
@@ -633,10 +635,9 @@
           </a:lstStyle>
           <a:p>
             <a:r>
-              <a:rPr lang="en-US" smtClean="0"/>
+              <a:rPr lang="en-US"/>
               <a:t>Click to edit Master subtitle style</a:t>
             </a:r>
-            <a:endParaRPr lang="en-US"/>
           </a:p>
         </p:txBody>
       </p:sp>
@@ -657,7 +658,7 @@
           <a:p>
             <a:fld id="{78C97017-6FC3-485B-9764-EAC9E56C1D49}" type="datetimeFigureOut">
               <a:rPr lang="en-US" smtClean="0"/>
-              <a:t>11/11/17</a:t>
+              <a:t>11/13/2017</a:t>
             </a:fld>
             <a:endParaRPr lang="en-US"/>
           </a:p>
@@ -751,10 +752,9 @@
           <a:lstStyle/>
           <a:p>
             <a:r>
-              <a:rPr lang="en-US" smtClean="0"/>
+              <a:rPr lang="en-US"/>
               <a:t>Click to edit Master title style</a:t>
             </a:r>
-            <a:endParaRPr lang="en-US"/>
           </a:p>
         </p:txBody>
       </p:sp>
@@ -775,38 +775,37 @@
           <a:p>
             <a:pPr lvl="0"/>
             <a:r>
-              <a:rPr lang="en-US" smtClean="0"/>
+              <a:rPr lang="en-US"/>
               <a:t>Click to edit Master text styles</a:t>
             </a:r>
           </a:p>
           <a:p>
             <a:pPr lvl="1"/>
             <a:r>
-              <a:rPr lang="en-US" smtClean="0"/>
+              <a:rPr lang="en-US"/>
               <a:t>Second level</a:t>
             </a:r>
           </a:p>
           <a:p>
             <a:pPr lvl="2"/>
             <a:r>
-              <a:rPr lang="en-US" smtClean="0"/>
+              <a:rPr lang="en-US"/>
               <a:t>Third level</a:t>
             </a:r>
           </a:p>
           <a:p>
             <a:pPr lvl="3"/>
             <a:r>
-              <a:rPr lang="en-US" smtClean="0"/>
+              <a:rPr lang="en-US"/>
               <a:t>Fourth level</a:t>
             </a:r>
           </a:p>
           <a:p>
             <a:pPr lvl="4"/>
             <a:r>
-              <a:rPr lang="en-US" smtClean="0"/>
+              <a:rPr lang="en-US"/>
               <a:t>Fifth level</a:t>
             </a:r>
-            <a:endParaRPr lang="en-US"/>
           </a:p>
         </p:txBody>
       </p:sp>
@@ -827,7 +826,7 @@
           <a:p>
             <a:fld id="{78C97017-6FC3-485B-9764-EAC9E56C1D49}" type="datetimeFigureOut">
               <a:rPr lang="en-US" smtClean="0"/>
-              <a:t>11/11/17</a:t>
+              <a:t>11/13/2017</a:t>
             </a:fld>
             <a:endParaRPr lang="en-US"/>
           </a:p>
@@ -926,10 +925,9 @@
           <a:lstStyle/>
           <a:p>
             <a:r>
-              <a:rPr lang="en-US" smtClean="0"/>
+              <a:rPr lang="en-US"/>
               <a:t>Click to edit Master title style</a:t>
             </a:r>
-            <a:endParaRPr lang="en-US"/>
           </a:p>
         </p:txBody>
       </p:sp>
@@ -955,38 +953,37 @@
           <a:p>
             <a:pPr lvl="0"/>
             <a:r>
-              <a:rPr lang="en-US" smtClean="0"/>
+              <a:rPr lang="en-US"/>
               <a:t>Click to edit Master text styles</a:t>
             </a:r>
           </a:p>
           <a:p>
             <a:pPr lvl="1"/>
             <a:r>
-              <a:rPr lang="en-US" smtClean="0"/>
+              <a:rPr lang="en-US"/>
               <a:t>Second level</a:t>
             </a:r>
           </a:p>
           <a:p>
             <a:pPr lvl="2"/>
             <a:r>
-              <a:rPr lang="en-US" smtClean="0"/>
+              <a:rPr lang="en-US"/>
               <a:t>Third level</a:t>
             </a:r>
           </a:p>
           <a:p>
             <a:pPr lvl="3"/>
             <a:r>
-              <a:rPr lang="en-US" smtClean="0"/>
+              <a:rPr lang="en-US"/>
               <a:t>Fourth level</a:t>
             </a:r>
           </a:p>
           <a:p>
             <a:pPr lvl="4"/>
             <a:r>
-              <a:rPr lang="en-US" smtClean="0"/>
+              <a:rPr lang="en-US"/>
               <a:t>Fifth level</a:t>
             </a:r>
-            <a:endParaRPr lang="en-US"/>
           </a:p>
         </p:txBody>
       </p:sp>
@@ -1007,7 +1004,7 @@
           <a:p>
             <a:fld id="{78C97017-6FC3-485B-9764-EAC9E56C1D49}" type="datetimeFigureOut">
               <a:rPr lang="en-US" smtClean="0"/>
-              <a:t>11/11/17</a:t>
+              <a:t>11/13/2017</a:t>
             </a:fld>
             <a:endParaRPr lang="en-US"/>
           </a:p>
@@ -1101,10 +1098,9 @@
           <a:lstStyle/>
           <a:p>
             <a:r>
-              <a:rPr lang="en-US" smtClean="0"/>
+              <a:rPr lang="en-US"/>
               <a:t>Click to edit Master title style</a:t>
             </a:r>
-            <a:endParaRPr lang="en-US"/>
           </a:p>
         </p:txBody>
       </p:sp>
@@ -1125,38 +1121,37 @@
           <a:p>
             <a:pPr lvl="0"/>
             <a:r>
-              <a:rPr lang="en-US" smtClean="0"/>
+              <a:rPr lang="en-US"/>
               <a:t>Click to edit Master text styles</a:t>
             </a:r>
           </a:p>
           <a:p>
             <a:pPr lvl="1"/>
             <a:r>
-              <a:rPr lang="en-US" smtClean="0"/>
+              <a:rPr lang="en-US"/>
               <a:t>Second level</a:t>
             </a:r>
           </a:p>
           <a:p>
             <a:pPr lvl="2"/>
             <a:r>
-              <a:rPr lang="en-US" smtClean="0"/>
+              <a:rPr lang="en-US"/>
               <a:t>Third level</a:t>
             </a:r>
           </a:p>
           <a:p>
             <a:pPr lvl="3"/>
             <a:r>
-              <a:rPr lang="en-US" smtClean="0"/>
+              <a:rPr lang="en-US"/>
               <a:t>Fourth level</a:t>
             </a:r>
           </a:p>
           <a:p>
             <a:pPr lvl="4"/>
             <a:r>
-              <a:rPr lang="en-US" smtClean="0"/>
+              <a:rPr lang="en-US"/>
               <a:t>Fifth level</a:t>
             </a:r>
-            <a:endParaRPr lang="en-US"/>
           </a:p>
         </p:txBody>
       </p:sp>
@@ -1177,7 +1172,7 @@
           <a:p>
             <a:fld id="{78C97017-6FC3-485B-9764-EAC9E56C1D49}" type="datetimeFigureOut">
               <a:rPr lang="en-US" smtClean="0"/>
-              <a:t>11/11/17</a:t>
+              <a:t>11/13/2017</a:t>
             </a:fld>
             <a:endParaRPr lang="en-US"/>
           </a:p>
@@ -1280,10 +1275,9 @@
           </a:lstStyle>
           <a:p>
             <a:r>
-              <a:rPr lang="en-US" smtClean="0"/>
+              <a:rPr lang="en-US"/>
               <a:t>Click to edit Master title style</a:t>
             </a:r>
-            <a:endParaRPr lang="en-US"/>
           </a:p>
         </p:txBody>
       </p:sp>
@@ -1400,7 +1394,7 @@
           <a:p>
             <a:pPr lvl="0"/>
             <a:r>
-              <a:rPr lang="en-US" smtClean="0"/>
+              <a:rPr lang="en-US"/>
               <a:t>Click to edit Master text styles</a:t>
             </a:r>
           </a:p>
@@ -1423,7 +1417,7 @@
           <a:p>
             <a:fld id="{78C97017-6FC3-485B-9764-EAC9E56C1D49}" type="datetimeFigureOut">
               <a:rPr lang="en-US" smtClean="0"/>
-              <a:t>11/11/17</a:t>
+              <a:t>11/13/2017</a:t>
             </a:fld>
             <a:endParaRPr lang="en-US"/>
           </a:p>
@@ -1517,10 +1511,9 @@
           <a:lstStyle/>
           <a:p>
             <a:r>
-              <a:rPr lang="en-US" smtClean="0"/>
+              <a:rPr lang="en-US"/>
               <a:t>Click to edit Master title style</a:t>
             </a:r>
-            <a:endParaRPr lang="en-US"/>
           </a:p>
         </p:txBody>
       </p:sp>
@@ -1574,38 +1567,37 @@
           <a:p>
             <a:pPr lvl="0"/>
             <a:r>
-              <a:rPr lang="en-US" smtClean="0"/>
+              <a:rPr lang="en-US"/>
               <a:t>Click to edit Master text styles</a:t>
             </a:r>
           </a:p>
           <a:p>
             <a:pPr lvl="1"/>
             <a:r>
-              <a:rPr lang="en-US" smtClean="0"/>
+              <a:rPr lang="en-US"/>
               <a:t>Second level</a:t>
             </a:r>
           </a:p>
           <a:p>
             <a:pPr lvl="2"/>
             <a:r>
-              <a:rPr lang="en-US" smtClean="0"/>
+              <a:rPr lang="en-US"/>
               <a:t>Third level</a:t>
             </a:r>
           </a:p>
           <a:p>
             <a:pPr lvl="3"/>
             <a:r>
-              <a:rPr lang="en-US" smtClean="0"/>
+              <a:rPr lang="en-US"/>
               <a:t>Fourth level</a:t>
             </a:r>
           </a:p>
           <a:p>
             <a:pPr lvl="4"/>
             <a:r>
-              <a:rPr lang="en-US" smtClean="0"/>
+              <a:rPr lang="en-US"/>
               <a:t>Fifth level</a:t>
             </a:r>
-            <a:endParaRPr lang="en-US"/>
           </a:p>
         </p:txBody>
       </p:sp>
@@ -1659,38 +1651,37 @@
           <a:p>
             <a:pPr lvl="0"/>
             <a:r>
-              <a:rPr lang="en-US" smtClean="0"/>
+              <a:rPr lang="en-US"/>
               <a:t>Click to edit Master text styles</a:t>
             </a:r>
           </a:p>
           <a:p>
             <a:pPr lvl="1"/>
             <a:r>
-              <a:rPr lang="en-US" smtClean="0"/>
+              <a:rPr lang="en-US"/>
               <a:t>Second level</a:t>
             </a:r>
           </a:p>
           <a:p>
             <a:pPr lvl="2"/>
             <a:r>
-              <a:rPr lang="en-US" smtClean="0"/>
+              <a:rPr lang="en-US"/>
               <a:t>Third level</a:t>
             </a:r>
           </a:p>
           <a:p>
             <a:pPr lvl="3"/>
             <a:r>
-              <a:rPr lang="en-US" smtClean="0"/>
+              <a:rPr lang="en-US"/>
               <a:t>Fourth level</a:t>
             </a:r>
           </a:p>
           <a:p>
             <a:pPr lvl="4"/>
             <a:r>
-              <a:rPr lang="en-US" smtClean="0"/>
+              <a:rPr lang="en-US"/>
               <a:t>Fifth level</a:t>
             </a:r>
-            <a:endParaRPr lang="en-US"/>
           </a:p>
         </p:txBody>
       </p:sp>
@@ -1711,7 +1702,7 @@
           <a:p>
             <a:fld id="{78C97017-6FC3-485B-9764-EAC9E56C1D49}" type="datetimeFigureOut">
               <a:rPr lang="en-US" smtClean="0"/>
-              <a:t>11/11/17</a:t>
+              <a:t>11/13/2017</a:t>
             </a:fld>
             <a:endParaRPr lang="en-US"/>
           </a:p>
@@ -1809,10 +1800,9 @@
           </a:lstStyle>
           <a:p>
             <a:r>
-              <a:rPr lang="en-US" smtClean="0"/>
+              <a:rPr lang="en-US"/>
               <a:t>Click to edit Master title style</a:t>
             </a:r>
-            <a:endParaRPr lang="en-US"/>
           </a:p>
         </p:txBody>
       </p:sp>
@@ -1875,7 +1865,7 @@
           <a:p>
             <a:pPr lvl="0"/>
             <a:r>
-              <a:rPr lang="en-US" smtClean="0"/>
+              <a:rPr lang="en-US"/>
               <a:t>Click to edit Master text styles</a:t>
             </a:r>
           </a:p>
@@ -1931,38 +1921,37 @@
           <a:p>
             <a:pPr lvl="0"/>
             <a:r>
-              <a:rPr lang="en-US" smtClean="0"/>
+              <a:rPr lang="en-US"/>
               <a:t>Click to edit Master text styles</a:t>
             </a:r>
           </a:p>
           <a:p>
             <a:pPr lvl="1"/>
             <a:r>
-              <a:rPr lang="en-US" smtClean="0"/>
+              <a:rPr lang="en-US"/>
               <a:t>Second level</a:t>
             </a:r>
           </a:p>
           <a:p>
             <a:pPr lvl="2"/>
             <a:r>
-              <a:rPr lang="en-US" smtClean="0"/>
+              <a:rPr lang="en-US"/>
               <a:t>Third level</a:t>
             </a:r>
           </a:p>
           <a:p>
             <a:pPr lvl="3"/>
             <a:r>
-              <a:rPr lang="en-US" smtClean="0"/>
+              <a:rPr lang="en-US"/>
               <a:t>Fourth level</a:t>
             </a:r>
           </a:p>
           <a:p>
             <a:pPr lvl="4"/>
             <a:r>
-              <a:rPr lang="en-US" smtClean="0"/>
+              <a:rPr lang="en-US"/>
               <a:t>Fifth level</a:t>
             </a:r>
-            <a:endParaRPr lang="en-US"/>
           </a:p>
         </p:txBody>
       </p:sp>
@@ -2025,7 +2014,7 @@
           <a:p>
             <a:pPr lvl="0"/>
             <a:r>
-              <a:rPr lang="en-US" smtClean="0"/>
+              <a:rPr lang="en-US"/>
               <a:t>Click to edit Master text styles</a:t>
             </a:r>
           </a:p>
@@ -2081,38 +2070,37 @@
           <a:p>
             <a:pPr lvl="0"/>
             <a:r>
-              <a:rPr lang="en-US" smtClean="0"/>
+              <a:rPr lang="en-US"/>
               <a:t>Click to edit Master text styles</a:t>
             </a:r>
           </a:p>
           <a:p>
             <a:pPr lvl="1"/>
             <a:r>
-              <a:rPr lang="en-US" smtClean="0"/>
+              <a:rPr lang="en-US"/>
               <a:t>Second level</a:t>
             </a:r>
           </a:p>
           <a:p>
             <a:pPr lvl="2"/>
             <a:r>
-              <a:rPr lang="en-US" smtClean="0"/>
+              <a:rPr lang="en-US"/>
               <a:t>Third level</a:t>
             </a:r>
           </a:p>
           <a:p>
             <a:pPr lvl="3"/>
             <a:r>
-              <a:rPr lang="en-US" smtClean="0"/>
+              <a:rPr lang="en-US"/>
               <a:t>Fourth level</a:t>
             </a:r>
           </a:p>
           <a:p>
             <a:pPr lvl="4"/>
             <a:r>
-              <a:rPr lang="en-US" smtClean="0"/>
+              <a:rPr lang="en-US"/>
               <a:t>Fifth level</a:t>
             </a:r>
-            <a:endParaRPr lang="en-US"/>
           </a:p>
         </p:txBody>
       </p:sp>
@@ -2133,7 +2121,7 @@
           <a:p>
             <a:fld id="{78C97017-6FC3-485B-9764-EAC9E56C1D49}" type="datetimeFigureOut">
               <a:rPr lang="en-US" smtClean="0"/>
-              <a:t>11/11/17</a:t>
+              <a:t>11/13/2017</a:t>
             </a:fld>
             <a:endParaRPr lang="en-US"/>
           </a:p>
@@ -2227,10 +2215,9 @@
           <a:lstStyle/>
           <a:p>
             <a:r>
-              <a:rPr lang="en-US" smtClean="0"/>
+              <a:rPr lang="en-US"/>
               <a:t>Click to edit Master title style</a:t>
             </a:r>
-            <a:endParaRPr lang="en-US"/>
           </a:p>
         </p:txBody>
       </p:sp>
@@ -2251,7 +2238,7 @@
           <a:p>
             <a:fld id="{78C97017-6FC3-485B-9764-EAC9E56C1D49}" type="datetimeFigureOut">
               <a:rPr lang="en-US" smtClean="0"/>
-              <a:t>11/11/17</a:t>
+              <a:t>11/13/2017</a:t>
             </a:fld>
             <a:endParaRPr lang="en-US"/>
           </a:p>
@@ -2346,7 +2333,7 @@
           <a:p>
             <a:fld id="{78C97017-6FC3-485B-9764-EAC9E56C1D49}" type="datetimeFigureOut">
               <a:rPr lang="en-US" smtClean="0"/>
-              <a:t>11/11/17</a:t>
+              <a:t>11/13/2017</a:t>
             </a:fld>
             <a:endParaRPr lang="en-US"/>
           </a:p>
@@ -2449,10 +2436,9 @@
           </a:lstStyle>
           <a:p>
             <a:r>
-              <a:rPr lang="en-US" smtClean="0"/>
+              <a:rPr lang="en-US"/>
               <a:t>Click to edit Master title style</a:t>
             </a:r>
-            <a:endParaRPr lang="en-US"/>
           </a:p>
         </p:txBody>
       </p:sp>
@@ -2506,38 +2492,37 @@
           <a:p>
             <a:pPr lvl="0"/>
             <a:r>
-              <a:rPr lang="en-US" smtClean="0"/>
+              <a:rPr lang="en-US"/>
               <a:t>Click to edit Master text styles</a:t>
             </a:r>
           </a:p>
           <a:p>
             <a:pPr lvl="1"/>
             <a:r>
-              <a:rPr lang="en-US" smtClean="0"/>
+              <a:rPr lang="en-US"/>
               <a:t>Second level</a:t>
             </a:r>
           </a:p>
           <a:p>
             <a:pPr lvl="2"/>
             <a:r>
-              <a:rPr lang="en-US" smtClean="0"/>
+              <a:rPr lang="en-US"/>
               <a:t>Third level</a:t>
             </a:r>
           </a:p>
           <a:p>
             <a:pPr lvl="3"/>
             <a:r>
-              <a:rPr lang="en-US" smtClean="0"/>
+              <a:rPr lang="en-US"/>
               <a:t>Fourth level</a:t>
             </a:r>
           </a:p>
           <a:p>
             <a:pPr lvl="4"/>
             <a:r>
-              <a:rPr lang="en-US" smtClean="0"/>
+              <a:rPr lang="en-US"/>
               <a:t>Fifth level</a:t>
             </a:r>
-            <a:endParaRPr lang="en-US"/>
           </a:p>
         </p:txBody>
       </p:sp>
@@ -2600,7 +2585,7 @@
           <a:p>
             <a:pPr lvl="0"/>
             <a:r>
-              <a:rPr lang="en-US" smtClean="0"/>
+              <a:rPr lang="en-US"/>
               <a:t>Click to edit Master text styles</a:t>
             </a:r>
           </a:p>
@@ -2623,7 +2608,7 @@
           <a:p>
             <a:fld id="{78C97017-6FC3-485B-9764-EAC9E56C1D49}" type="datetimeFigureOut">
               <a:rPr lang="en-US" smtClean="0"/>
-              <a:t>11/11/17</a:t>
+              <a:t>11/13/2017</a:t>
             </a:fld>
             <a:endParaRPr lang="en-US"/>
           </a:p>
@@ -2726,10 +2711,9 @@
           </a:lstStyle>
           <a:p>
             <a:r>
-              <a:rPr lang="en-US" smtClean="0"/>
+              <a:rPr lang="en-US"/>
               <a:t>Click to edit Master title style</a:t>
             </a:r>
-            <a:endParaRPr lang="en-US"/>
           </a:p>
         </p:txBody>
       </p:sp>
@@ -2853,7 +2837,7 @@
           <a:p>
             <a:pPr lvl="0"/>
             <a:r>
-              <a:rPr lang="en-US" smtClean="0"/>
+              <a:rPr lang="en-US"/>
               <a:t>Click to edit Master text styles</a:t>
             </a:r>
           </a:p>
@@ -2876,7 +2860,7 @@
           <a:p>
             <a:fld id="{78C97017-6FC3-485B-9764-EAC9E56C1D49}" type="datetimeFigureOut">
               <a:rPr lang="en-US" smtClean="0"/>
-              <a:t>11/11/17</a:t>
+              <a:t>11/13/2017</a:t>
             </a:fld>
             <a:endParaRPr lang="en-US"/>
           </a:p>
@@ -2985,10 +2969,9 @@
           <a:lstStyle/>
           <a:p>
             <a:r>
-              <a:rPr lang="en-US" smtClean="0"/>
+              <a:rPr lang="en-US"/>
               <a:t>Click to edit Master title style</a:t>
             </a:r>
-            <a:endParaRPr lang="en-US"/>
           </a:p>
         </p:txBody>
       </p:sp>
@@ -3019,38 +3002,37 @@
           <a:p>
             <a:pPr lvl="0"/>
             <a:r>
-              <a:rPr lang="en-US" smtClean="0"/>
+              <a:rPr lang="en-US"/>
               <a:t>Click to edit Master text styles</a:t>
             </a:r>
           </a:p>
           <a:p>
             <a:pPr lvl="1"/>
             <a:r>
-              <a:rPr lang="en-US" smtClean="0"/>
+              <a:rPr lang="en-US"/>
               <a:t>Second level</a:t>
             </a:r>
           </a:p>
           <a:p>
             <a:pPr lvl="2"/>
             <a:r>
-              <a:rPr lang="en-US" smtClean="0"/>
+              <a:rPr lang="en-US"/>
               <a:t>Third level</a:t>
             </a:r>
           </a:p>
           <a:p>
             <a:pPr lvl="3"/>
             <a:r>
-              <a:rPr lang="en-US" smtClean="0"/>
+              <a:rPr lang="en-US"/>
               <a:t>Fourth level</a:t>
             </a:r>
           </a:p>
           <a:p>
             <a:pPr lvl="4"/>
             <a:r>
-              <a:rPr lang="en-US" smtClean="0"/>
+              <a:rPr lang="en-US"/>
               <a:t>Fifth level</a:t>
             </a:r>
-            <a:endParaRPr lang="en-US"/>
           </a:p>
         </p:txBody>
       </p:sp>
@@ -3089,7 +3071,7 @@
           <a:p>
             <a:fld id="{78C97017-6FC3-485B-9764-EAC9E56C1D49}" type="datetimeFigureOut">
               <a:rPr lang="en-US" smtClean="0"/>
-              <a:t>11/11/17</a:t>
+              <a:t>11/13/2017</a:t>
             </a:fld>
             <a:endParaRPr lang="en-US"/>
           </a:p>
@@ -3466,14 +3448,20 @@
       </p:grpSpPr>
       <p:sp>
         <p:nvSpPr>
-          <p:cNvPr id="118" name="Rectangle 65"/>
+          <p:cNvPr id="59" name="Rectangle 65">
+            <a:extLst>
+              <a:ext uri="{FF2B5EF4-FFF2-40B4-BE49-F238E27FC236}">
+                <a16:creationId xmlns:a16="http://schemas.microsoft.com/office/drawing/2014/main" id="{484E12F6-6FBF-4283-9F84-7D54A129B2FE}"/>
+              </a:ext>
+            </a:extLst>
+          </p:cNvPr>
           <p:cNvSpPr/>
           <p:nvPr/>
         </p:nvSpPr>
         <p:spPr>
           <a:xfrm>
-            <a:off x="609600" y="2133600"/>
-            <a:ext cx="7871735" cy="2971800"/>
+            <a:off x="635000" y="2057400"/>
+            <a:ext cx="8001000" cy="3733800"/>
           </a:xfrm>
           <a:prstGeom prst="roundRect">
             <a:avLst>
@@ -3510,7 +3498,7 @@
           <a:lstStyle/>
           <a:p>
             <a:r>
-              <a:rPr lang="en-US" sz="1200" b="1" dirty="0" smtClean="0">
+              <a:rPr lang="en-US" sz="1200" b="1" dirty="0">
                 <a:solidFill>
                   <a:schemeClr val="accent6">
                     <a:lumMod val="75000"/>
@@ -3577,7 +3565,7 @@
           <a:p>
             <a:pPr algn="ctr"/>
             <a:r>
-              <a:rPr lang="en-US" sz="1050" dirty="0" smtClean="0">
+              <a:rPr lang="en-US" sz="1050" dirty="0">
                 <a:solidFill>
                   <a:schemeClr val="bg1"/>
                 </a:solidFill>
@@ -3585,14 +3573,14 @@
               <a:t>&lt;&lt;interface&gt;&gt;</a:t>
             </a:r>
             <a:br>
-              <a:rPr lang="en-US" sz="1050" dirty="0" smtClean="0">
+              <a:rPr lang="en-US" sz="1050" dirty="0">
                 <a:solidFill>
                   <a:schemeClr val="bg1"/>
                 </a:solidFill>
               </a:rPr>
             </a:br>
             <a:r>
-              <a:rPr lang="en-US" sz="1050" dirty="0" smtClean="0">
+              <a:rPr lang="en-US" sz="1050" dirty="0">
                 <a:solidFill>
                   <a:schemeClr val="bg1"/>
                 </a:solidFill>
@@ -3615,8 +3603,8 @@
         </p:nvSpPr>
         <p:spPr>
           <a:xfrm rot="16200000">
-            <a:off x="667649" y="3421953"/>
-            <a:ext cx="2105733" cy="346760"/>
+            <a:off x="248548" y="3841054"/>
+            <a:ext cx="2943935" cy="346760"/>
           </a:xfrm>
           <a:prstGeom prst="rect">
             <a:avLst/>
@@ -3655,7 +3643,7 @@
           <a:p>
             <a:pPr algn="ctr"/>
             <a:r>
-              <a:rPr lang="en-US" sz="1050" dirty="0" err="1" smtClean="0">
+              <a:rPr lang="en-US" sz="1050" dirty="0" err="1">
                 <a:solidFill>
                   <a:schemeClr val="bg1"/>
                 </a:solidFill>
@@ -3678,8 +3666,8 @@
         </p:nvSpPr>
         <p:spPr>
           <a:xfrm rot="16200000">
-            <a:off x="-64489" y="3418846"/>
-            <a:ext cx="2114488" cy="346760"/>
+            <a:off x="-482954" y="3837311"/>
+            <a:ext cx="2951418" cy="346760"/>
           </a:xfrm>
           <a:prstGeom prst="rect">
             <a:avLst/>
@@ -3729,7 +3717,7 @@
           <a:p>
             <a:pPr algn="ctr"/>
             <a:r>
-              <a:rPr lang="en-US" sz="1050" dirty="0" smtClean="0">
+              <a:rPr lang="en-US" sz="1050" dirty="0">
                 <a:solidFill>
                   <a:schemeClr val="bg1"/>
                 </a:solidFill>
@@ -3752,7 +3740,7 @@
         </p:nvSpPr>
         <p:spPr>
           <a:xfrm rot="16200000">
-            <a:off x="1117166" y="3510786"/>
+            <a:off x="1117166" y="3891786"/>
             <a:ext cx="270504" cy="175523"/>
           </a:xfrm>
           <a:prstGeom prst="triangle">
@@ -3893,7 +3881,7 @@
         </p:nvCxnSpPr>
         <p:spPr>
           <a:xfrm flipV="1">
-            <a:off x="1340180" y="3605232"/>
+            <a:off x="1340180" y="3986232"/>
             <a:ext cx="216105" cy="1"/>
           </a:xfrm>
           <a:prstGeom prst="line">
@@ -4161,7 +4149,7 @@
           <a:p>
             <a:pPr algn="ctr"/>
             <a:r>
-              <a:rPr lang="en-US" sz="1050" b="1" dirty="0" smtClean="0">
+              <a:rPr lang="en-US" sz="1050" b="1" dirty="0">
                 <a:solidFill>
                   <a:schemeClr val="accent6">
                     <a:lumMod val="75000"/>
@@ -4171,7 +4159,7 @@
               <a:t>XmlAddressBook</a:t>
             </a:r>
             <a:br>
-              <a:rPr lang="en-US" sz="1050" b="1" dirty="0" smtClean="0">
+              <a:rPr lang="en-US" sz="1050" b="1" dirty="0">
                 <a:solidFill>
                   <a:schemeClr val="accent6">
                     <a:lumMod val="75000"/>
@@ -4180,7 +4168,7 @@
               </a:rPr>
             </a:br>
             <a:r>
-              <a:rPr lang="en-US" sz="1050" b="1" dirty="0" smtClean="0">
+              <a:rPr lang="en-US" sz="1050" b="1" dirty="0">
                 <a:solidFill>
                   <a:schemeClr val="accent6">
                     <a:lumMod val="75000"/>
@@ -4247,7 +4235,7 @@
           <a:p>
             <a:pPr algn="ctr"/>
             <a:r>
-              <a:rPr lang="en-US" sz="1050" dirty="0" smtClean="0">
+              <a:rPr lang="en-US" sz="1050" dirty="0">
                 <a:solidFill>
                   <a:schemeClr val="bg1"/>
                 </a:solidFill>
@@ -4255,14 +4243,14 @@
               <a:t>&lt;&lt;interface&gt;&gt;</a:t>
             </a:r>
             <a:br>
-              <a:rPr lang="en-US" sz="1050" dirty="0" smtClean="0">
+              <a:rPr lang="en-US" sz="1050" dirty="0">
                 <a:solidFill>
                   <a:schemeClr val="bg1"/>
                 </a:solidFill>
               </a:rPr>
             </a:br>
             <a:r>
-              <a:rPr lang="en-US" sz="1050" dirty="0" smtClean="0">
+              <a:rPr lang="en-US" sz="1050" dirty="0">
                 <a:solidFill>
                   <a:schemeClr val="bg1"/>
                 </a:solidFill>
@@ -4520,7 +4508,7 @@
           <a:p>
             <a:pPr algn="ctr"/>
             <a:r>
-              <a:rPr lang="en-US" sz="1050" dirty="0" smtClean="0">
+              <a:rPr lang="en-US" sz="1050" dirty="0">
                 <a:solidFill>
                   <a:schemeClr val="bg1"/>
                 </a:solidFill>
@@ -4528,14 +4516,14 @@
               <a:t>JsonUserPrefs</a:t>
             </a:r>
             <a:br>
-              <a:rPr lang="en-US" sz="1050" dirty="0" smtClean="0">
+              <a:rPr lang="en-US" sz="1050" dirty="0">
                 <a:solidFill>
                   <a:schemeClr val="bg1"/>
                 </a:solidFill>
               </a:rPr>
             </a:br>
             <a:r>
-              <a:rPr lang="en-US" sz="1050" dirty="0" smtClean="0">
+              <a:rPr lang="en-US" sz="1050" dirty="0">
                 <a:solidFill>
                   <a:schemeClr val="bg1"/>
                 </a:solidFill>
@@ -4587,7 +4575,7 @@
           <a:p>
             <a:pPr algn="ctr"/>
             <a:r>
-              <a:rPr lang="en-US" sz="1050" b="1" dirty="0" smtClean="0">
+              <a:rPr lang="en-US" sz="1050" b="1" dirty="0">
                 <a:solidFill>
                   <a:schemeClr val="accent6">
                     <a:lumMod val="75000"/>
@@ -4597,7 +4585,7 @@
               <a:t>XmlSerializable</a:t>
             </a:r>
             <a:br>
-              <a:rPr lang="en-US" sz="1050" b="1" dirty="0" smtClean="0">
+              <a:rPr lang="en-US" sz="1050" b="1" dirty="0">
                 <a:solidFill>
                   <a:schemeClr val="accent6">
                     <a:lumMod val="75000"/>
@@ -4606,7 +4594,7 @@
               </a:rPr>
             </a:br>
             <a:r>
-              <a:rPr lang="en-US" sz="1050" b="1" dirty="0" smtClean="0">
+              <a:rPr lang="en-US" sz="1050" b="1" dirty="0">
                 <a:solidFill>
                   <a:schemeClr val="accent6">
                     <a:lumMod val="75000"/>
@@ -4703,7 +4691,7 @@
           <a:p>
             <a:pPr algn="ctr"/>
             <a:r>
-              <a:rPr lang="en-US" sz="1050" b="1" dirty="0" smtClean="0">
+              <a:rPr lang="en-US" sz="1050" b="1" dirty="0">
                 <a:solidFill>
                   <a:schemeClr val="accent6">
                     <a:lumMod val="75000"/>
@@ -4759,7 +4747,7 @@
           <a:p>
             <a:pPr algn="ctr"/>
             <a:r>
-              <a:rPr lang="en-US" sz="1050" b="1" dirty="0" smtClean="0">
+              <a:rPr lang="en-US" sz="1050" b="1" dirty="0">
                 <a:solidFill>
                   <a:schemeClr val="accent6">
                     <a:lumMod val="75000"/>
@@ -4960,7 +4948,7 @@
           <a:p>
             <a:pPr algn="ctr"/>
             <a:r>
-              <a:rPr lang="en-US" sz="1050" dirty="0" smtClean="0">
+              <a:rPr lang="en-US" sz="1050" dirty="0">
                 <a:solidFill>
                   <a:schemeClr val="bg1"/>
                 </a:solidFill>
@@ -4968,14 +4956,14 @@
               <a:t>&lt;&lt;interface&gt;&gt;</a:t>
             </a:r>
             <a:br>
-              <a:rPr lang="en-US" sz="1050" dirty="0" smtClean="0">
+              <a:rPr lang="en-US" sz="1050" dirty="0">
                 <a:solidFill>
                   <a:schemeClr val="bg1"/>
                 </a:solidFill>
               </a:rPr>
             </a:br>
             <a:r>
-              <a:rPr lang="en-US" sz="1050" dirty="0" smtClean="0">
+              <a:rPr lang="en-US" sz="1050" dirty="0">
                 <a:solidFill>
                   <a:schemeClr val="bg1"/>
                 </a:solidFill>
@@ -5127,7 +5115,7 @@
           <a:p>
             <a:pPr algn="ctr"/>
             <a:r>
-              <a:rPr lang="en-US" sz="1050" b="1" dirty="0" smtClean="0">
+              <a:rPr lang="en-US" sz="1050" b="1" dirty="0">
                 <a:solidFill>
                   <a:schemeClr val="accent6">
                     <a:lumMod val="75000"/>
@@ -5137,7 +5125,7 @@
               <a:t>XmlEventBook</a:t>
             </a:r>
             <a:br>
-              <a:rPr lang="en-US" sz="1050" b="1" dirty="0" smtClean="0">
+              <a:rPr lang="en-US" sz="1050" b="1" dirty="0">
                 <a:solidFill>
                   <a:schemeClr val="accent6">
                     <a:lumMod val="75000"/>
@@ -5146,7 +5134,7 @@
               </a:rPr>
             </a:br>
             <a:r>
-              <a:rPr lang="en-US" sz="1050" b="1" dirty="0" smtClean="0">
+              <a:rPr lang="en-US" sz="1050" b="1" dirty="0">
                 <a:solidFill>
                   <a:schemeClr val="accent6">
                     <a:lumMod val="75000"/>
@@ -5245,7 +5233,7 @@
           <a:p>
             <a:pPr algn="ctr"/>
             <a:r>
-              <a:rPr lang="en-US" sz="1050" b="1" dirty="0" smtClean="0">
+              <a:rPr lang="en-US" sz="1050" b="1" dirty="0">
                 <a:solidFill>
                   <a:schemeClr val="accent6">
                     <a:lumMod val="75000"/>
@@ -5255,7 +5243,7 @@
               <a:t>XmlSerializable</a:t>
             </a:r>
             <a:br>
-              <a:rPr lang="en-US" sz="1050" b="1" dirty="0" smtClean="0">
+              <a:rPr lang="en-US" sz="1050" b="1" dirty="0">
                 <a:solidFill>
                   <a:schemeClr val="accent6">
                     <a:lumMod val="75000"/>
@@ -5264,7 +5252,7 @@
               </a:rPr>
             </a:br>
             <a:r>
-              <a:rPr lang="en-US" sz="1050" b="1" dirty="0" smtClean="0">
+              <a:rPr lang="en-US" sz="1050" b="1" dirty="0">
                 <a:solidFill>
                   <a:schemeClr val="accent6">
                     <a:lumMod val="75000"/>
@@ -5358,7 +5346,7 @@
           <a:p>
             <a:pPr algn="ctr"/>
             <a:r>
-              <a:rPr lang="en-US" sz="1050" b="1" dirty="0" smtClean="0">
+              <a:rPr lang="en-US" sz="1050" b="1" dirty="0">
                 <a:solidFill>
                   <a:schemeClr val="accent6">
                     <a:lumMod val="75000"/>
@@ -5452,7 +5440,7 @@
           <a:p>
             <a:pPr algn="ctr"/>
             <a:r>
-              <a:rPr lang="en-US" sz="1050" b="1" dirty="0" smtClean="0">
+              <a:rPr lang="en-US" sz="1050" b="1" dirty="0">
                 <a:solidFill>
                   <a:schemeClr val="accent6">
                     <a:lumMod val="75000"/>
@@ -5460,6 +5448,624 @@
                 </a:solidFill>
               </a:rPr>
               <a:t>XmlAdaptedGroup</a:t>
+            </a:r>
+            <a:endParaRPr lang="en-SG" sz="1050" b="1" dirty="0">
+              <a:solidFill>
+                <a:schemeClr val="accent6">
+                  <a:lumMod val="75000"/>
+                </a:schemeClr>
+              </a:solidFill>
+            </a:endParaRPr>
+          </a:p>
+        </p:txBody>
+      </p:sp>
+      <p:cxnSp>
+        <p:nvCxnSpPr>
+          <p:cNvPr id="44" name="Straight Arrow Connector 43">
+            <a:extLst>
+              <a:ext uri="{FF2B5EF4-FFF2-40B4-BE49-F238E27FC236}">
+                <a16:creationId xmlns:a16="http://schemas.microsoft.com/office/drawing/2014/main" id="{D20A4BFF-2B25-4B20-8EE6-DFB893BE8FD1}"/>
+              </a:ext>
+            </a:extLst>
+          </p:cNvPr>
+          <p:cNvCxnSpPr>
+            <a:stCxn id="45" idx="3"/>
+          </p:cNvCxnSpPr>
+          <p:nvPr/>
+        </p:nvCxnSpPr>
+        <p:spPr>
+          <a:xfrm>
+            <a:off x="2142205" y="5092711"/>
+            <a:ext cx="220810" cy="5284"/>
+          </a:xfrm>
+          <a:prstGeom prst="straightConnector1">
+            <a:avLst/>
+          </a:prstGeom>
+          <a:ln w="19050">
+            <a:solidFill>
+              <a:schemeClr val="accent6">
+                <a:lumMod val="75000"/>
+              </a:schemeClr>
+            </a:solidFill>
+            <a:headEnd type="none" w="med" len="med"/>
+            <a:tailEnd type="arrow" w="med" len="med"/>
+          </a:ln>
+          <a:effectLst/>
+        </p:spPr>
+        <p:style>
+          <a:lnRef idx="1">
+            <a:schemeClr val="accent2"/>
+          </a:lnRef>
+          <a:fillRef idx="2">
+            <a:schemeClr val="accent2"/>
+          </a:fillRef>
+          <a:effectRef idx="1">
+            <a:schemeClr val="accent2"/>
+          </a:effectRef>
+          <a:fontRef idx="minor">
+            <a:schemeClr val="dk1"/>
+          </a:fontRef>
+        </p:style>
+      </p:cxnSp>
+      <p:sp>
+        <p:nvSpPr>
+          <p:cNvPr id="45" name="Flowchart: Decision 96">
+            <a:extLst>
+              <a:ext uri="{FF2B5EF4-FFF2-40B4-BE49-F238E27FC236}">
+                <a16:creationId xmlns:a16="http://schemas.microsoft.com/office/drawing/2014/main" id="{84E33305-C458-4F1E-8D49-2633E98A3A59}"/>
+              </a:ext>
+            </a:extLst>
+          </p:cNvPr>
+          <p:cNvSpPr/>
+          <p:nvPr/>
+        </p:nvSpPr>
+        <p:spPr>
+          <a:xfrm>
+            <a:off x="1906157" y="5006021"/>
+            <a:ext cx="236048" cy="173380"/>
+          </a:xfrm>
+          <a:prstGeom prst="flowChartDecision">
+            <a:avLst/>
+          </a:prstGeom>
+          <a:noFill/>
+          <a:ln w="19050">
+            <a:solidFill>
+              <a:schemeClr val="accent6">
+                <a:lumMod val="75000"/>
+              </a:schemeClr>
+            </a:solidFill>
+          </a:ln>
+          <a:effectLst/>
+        </p:spPr>
+        <p:style>
+          <a:lnRef idx="1">
+            <a:schemeClr val="accent2"/>
+          </a:lnRef>
+          <a:fillRef idx="2">
+            <a:schemeClr val="accent2"/>
+          </a:fillRef>
+          <a:effectRef idx="1">
+            <a:schemeClr val="accent2"/>
+          </a:effectRef>
+          <a:fontRef idx="minor">
+            <a:schemeClr val="dk1"/>
+          </a:fontRef>
+        </p:style>
+        <p:txBody>
+          <a:bodyPr rtlCol="0" anchor="ctr"/>
+          <a:lstStyle/>
+          <a:p>
+            <a:pPr algn="ctr"/>
+            <a:endParaRPr lang="en-US" sz="1050">
+              <a:solidFill>
+                <a:schemeClr val="bg1"/>
+              </a:solidFill>
+            </a:endParaRPr>
+          </a:p>
+        </p:txBody>
+      </p:sp>
+      <p:sp>
+        <p:nvSpPr>
+          <p:cNvPr id="46" name="Rectangle 8">
+            <a:extLst>
+              <a:ext uri="{FF2B5EF4-FFF2-40B4-BE49-F238E27FC236}">
+                <a16:creationId xmlns:a16="http://schemas.microsoft.com/office/drawing/2014/main" id="{A84E1EC4-16F2-4977-B07A-908F5EBF0580}"/>
+              </a:ext>
+            </a:extLst>
+          </p:cNvPr>
+          <p:cNvSpPr/>
+          <p:nvPr/>
+        </p:nvSpPr>
+        <p:spPr>
+          <a:xfrm>
+            <a:off x="2363678" y="4919331"/>
+            <a:ext cx="1323049" cy="346760"/>
+          </a:xfrm>
+          <a:prstGeom prst="rect">
+            <a:avLst/>
+          </a:prstGeom>
+          <a:solidFill>
+            <a:schemeClr val="accent6">
+              <a:lumMod val="75000"/>
+            </a:schemeClr>
+          </a:solidFill>
+          <a:ln w="19050">
+            <a:solidFill>
+              <a:schemeClr val="accent6">
+                <a:lumMod val="75000"/>
+              </a:schemeClr>
+            </a:solidFill>
+          </a:ln>
+          <a:effectLst/>
+        </p:spPr>
+        <p:style>
+          <a:lnRef idx="1">
+            <a:schemeClr val="accent2"/>
+          </a:lnRef>
+          <a:fillRef idx="2">
+            <a:schemeClr val="accent2"/>
+          </a:fillRef>
+          <a:effectRef idx="1">
+            <a:schemeClr val="accent2"/>
+          </a:effectRef>
+          <a:fontRef idx="minor">
+            <a:schemeClr val="dk1"/>
+          </a:fontRef>
+        </p:style>
+        <p:txBody>
+          <a:bodyPr rtlCol="0" anchor="ctr"/>
+          <a:lstStyle/>
+          <a:p>
+            <a:pPr algn="ctr"/>
+            <a:r>
+              <a:rPr lang="en-US" sz="1050" dirty="0">
+                <a:solidFill>
+                  <a:schemeClr val="bg1"/>
+                </a:solidFill>
+              </a:rPr>
+              <a:t>&lt;&lt;interface&gt;&gt;</a:t>
+            </a:r>
+            <a:br>
+              <a:rPr lang="en-US" sz="1050" dirty="0">
+                <a:solidFill>
+                  <a:schemeClr val="bg1"/>
+                </a:solidFill>
+              </a:rPr>
+            </a:br>
+            <a:r>
+              <a:rPr lang="en-US" sz="1050" dirty="0" err="1">
+                <a:solidFill>
+                  <a:schemeClr val="bg1"/>
+                </a:solidFill>
+              </a:rPr>
+              <a:t>AccountStorage</a:t>
+            </a:r>
+            <a:endParaRPr lang="en-SG" sz="1050" dirty="0">
+              <a:solidFill>
+                <a:schemeClr val="bg1"/>
+              </a:solidFill>
+            </a:endParaRPr>
+          </a:p>
+        </p:txBody>
+      </p:sp>
+      <p:cxnSp>
+        <p:nvCxnSpPr>
+          <p:cNvPr id="47" name="Elbow Connector 63">
+            <a:extLst>
+              <a:ext uri="{FF2B5EF4-FFF2-40B4-BE49-F238E27FC236}">
+                <a16:creationId xmlns:a16="http://schemas.microsoft.com/office/drawing/2014/main" id="{8C779399-F6B2-46CA-B405-28818D9703BF}"/>
+              </a:ext>
+            </a:extLst>
+          </p:cNvPr>
+          <p:cNvCxnSpPr>
+            <a:stCxn id="48" idx="3"/>
+          </p:cNvCxnSpPr>
+          <p:nvPr/>
+        </p:nvCxnSpPr>
+        <p:spPr>
+          <a:xfrm flipV="1">
+            <a:off x="3874950" y="5109567"/>
+            <a:ext cx="223324" cy="1"/>
+          </a:xfrm>
+          <a:prstGeom prst="bentConnector3">
+            <a:avLst>
+              <a:gd name="adj1" fmla="val 50000"/>
+            </a:avLst>
+          </a:prstGeom>
+          <a:ln w="19050">
+            <a:solidFill>
+              <a:schemeClr val="accent6">
+                <a:lumMod val="75000"/>
+              </a:schemeClr>
+            </a:solidFill>
+            <a:prstDash val="sysDot"/>
+            <a:headEnd type="none" w="med" len="med"/>
+            <a:tailEnd type="none" w="med" len="med"/>
+          </a:ln>
+          <a:effectLst/>
+        </p:spPr>
+        <p:style>
+          <a:lnRef idx="1">
+            <a:schemeClr val="accent2"/>
+          </a:lnRef>
+          <a:fillRef idx="2">
+            <a:schemeClr val="accent2"/>
+          </a:fillRef>
+          <a:effectRef idx="1">
+            <a:schemeClr val="accent2"/>
+          </a:effectRef>
+          <a:fontRef idx="minor">
+            <a:schemeClr val="dk1"/>
+          </a:fontRef>
+        </p:style>
+      </p:cxnSp>
+      <p:sp>
+        <p:nvSpPr>
+          <p:cNvPr id="48" name="Isosceles Triangle 102">
+            <a:extLst>
+              <a:ext uri="{FF2B5EF4-FFF2-40B4-BE49-F238E27FC236}">
+                <a16:creationId xmlns:a16="http://schemas.microsoft.com/office/drawing/2014/main" id="{0F44F52E-51F8-4BC7-A8F9-CBC92A707367}"/>
+              </a:ext>
+            </a:extLst>
+          </p:cNvPr>
+          <p:cNvSpPr/>
+          <p:nvPr/>
+        </p:nvSpPr>
+        <p:spPr>
+          <a:xfrm rot="5400000" flipV="1">
+            <a:off x="3651936" y="5021806"/>
+            <a:ext cx="270504" cy="175523"/>
+          </a:xfrm>
+          <a:prstGeom prst="triangle">
+            <a:avLst/>
+          </a:prstGeom>
+          <a:solidFill>
+            <a:schemeClr val="accent6">
+              <a:lumMod val="75000"/>
+            </a:schemeClr>
+          </a:solidFill>
+          <a:ln w="19050">
+            <a:solidFill>
+              <a:schemeClr val="accent6">
+                <a:lumMod val="75000"/>
+              </a:schemeClr>
+            </a:solidFill>
+          </a:ln>
+          <a:effectLst/>
+        </p:spPr>
+        <p:style>
+          <a:lnRef idx="1">
+            <a:schemeClr val="accent2"/>
+          </a:lnRef>
+          <a:fillRef idx="2">
+            <a:schemeClr val="accent2"/>
+          </a:fillRef>
+          <a:effectRef idx="1">
+            <a:schemeClr val="accent2"/>
+          </a:effectRef>
+          <a:fontRef idx="minor">
+            <a:schemeClr val="dk1"/>
+          </a:fontRef>
+        </p:style>
+        <p:txBody>
+          <a:bodyPr rtlCol="0" anchor="ctr"/>
+          <a:lstStyle/>
+          <a:p>
+            <a:pPr algn="ctr"/>
+            <a:endParaRPr lang="en-SG" sz="1050">
+              <a:solidFill>
+                <a:schemeClr val="bg1"/>
+              </a:solidFill>
+            </a:endParaRPr>
+          </a:p>
+        </p:txBody>
+      </p:sp>
+      <p:sp>
+        <p:nvSpPr>
+          <p:cNvPr id="49" name="Rectangle 8">
+            <a:extLst>
+              <a:ext uri="{FF2B5EF4-FFF2-40B4-BE49-F238E27FC236}">
+                <a16:creationId xmlns:a16="http://schemas.microsoft.com/office/drawing/2014/main" id="{93FCAE87-9B64-4F7C-8CD9-D8F9BACACCD5}"/>
+              </a:ext>
+            </a:extLst>
+          </p:cNvPr>
+          <p:cNvSpPr/>
+          <p:nvPr/>
+        </p:nvSpPr>
+        <p:spPr>
+          <a:xfrm>
+            <a:off x="4101796" y="4921805"/>
+            <a:ext cx="1169835" cy="346760"/>
+          </a:xfrm>
+          <a:prstGeom prst="rect">
+            <a:avLst/>
+          </a:prstGeom>
+          <a:ln w="19050"/>
+          <a:effectLst/>
+        </p:spPr>
+        <p:style>
+          <a:lnRef idx="1">
+            <a:schemeClr val="accent6"/>
+          </a:lnRef>
+          <a:fillRef idx="2">
+            <a:schemeClr val="accent6"/>
+          </a:fillRef>
+          <a:effectRef idx="1">
+            <a:schemeClr val="accent6"/>
+          </a:effectRef>
+          <a:fontRef idx="minor">
+            <a:schemeClr val="dk1"/>
+          </a:fontRef>
+        </p:style>
+        <p:txBody>
+          <a:bodyPr rtlCol="0" anchor="ctr"/>
+          <a:lstStyle/>
+          <a:p>
+            <a:pPr algn="ctr"/>
+            <a:r>
+              <a:rPr lang="en-US" sz="1050" b="1" dirty="0" err="1">
+                <a:solidFill>
+                  <a:schemeClr val="accent6">
+                    <a:lumMod val="75000"/>
+                  </a:schemeClr>
+                </a:solidFill>
+              </a:rPr>
+              <a:t>XmlAccount</a:t>
+            </a:r>
+            <a:br>
+              <a:rPr lang="en-US" sz="1050" b="1" dirty="0">
+                <a:solidFill>
+                  <a:schemeClr val="accent6">
+                    <a:lumMod val="75000"/>
+                  </a:schemeClr>
+                </a:solidFill>
+              </a:rPr>
+            </a:br>
+            <a:r>
+              <a:rPr lang="en-US" sz="1050" b="1" dirty="0">
+                <a:solidFill>
+                  <a:schemeClr val="accent6">
+                    <a:lumMod val="75000"/>
+                  </a:schemeClr>
+                </a:solidFill>
+              </a:rPr>
+              <a:t>Storage</a:t>
+            </a:r>
+            <a:endParaRPr lang="en-SG" sz="1050" b="1" dirty="0">
+              <a:solidFill>
+                <a:schemeClr val="accent6">
+                  <a:lumMod val="75000"/>
+                </a:schemeClr>
+              </a:solidFill>
+            </a:endParaRPr>
+          </a:p>
+        </p:txBody>
+      </p:sp>
+      <p:cxnSp>
+        <p:nvCxnSpPr>
+          <p:cNvPr id="51" name="Elbow Connector 122">
+            <a:extLst>
+              <a:ext uri="{FF2B5EF4-FFF2-40B4-BE49-F238E27FC236}">
+                <a16:creationId xmlns:a16="http://schemas.microsoft.com/office/drawing/2014/main" id="{25572F53-2A71-4907-B5FE-BEF2BE41F78A}"/>
+              </a:ext>
+            </a:extLst>
+          </p:cNvPr>
+          <p:cNvCxnSpPr/>
+          <p:nvPr/>
+        </p:nvCxnSpPr>
+        <p:spPr>
+          <a:xfrm>
+            <a:off x="5271631" y="5131074"/>
+            <a:ext cx="228600" cy="1970"/>
+          </a:xfrm>
+          <a:prstGeom prst="bentConnector3">
+            <a:avLst>
+              <a:gd name="adj1" fmla="val 50000"/>
+            </a:avLst>
+          </a:prstGeom>
+          <a:ln w="19050">
+            <a:solidFill>
+              <a:schemeClr val="accent6">
+                <a:lumMod val="75000"/>
+              </a:schemeClr>
+            </a:solidFill>
+            <a:prstDash val="sysDot"/>
+            <a:headEnd type="none" w="med" len="med"/>
+            <a:tailEnd type="arrow" w="med" len="med"/>
+          </a:ln>
+          <a:effectLst/>
+        </p:spPr>
+        <p:style>
+          <a:lnRef idx="1">
+            <a:schemeClr val="accent2"/>
+          </a:lnRef>
+          <a:fillRef idx="2">
+            <a:schemeClr val="accent2"/>
+          </a:fillRef>
+          <a:effectRef idx="1">
+            <a:schemeClr val="accent2"/>
+          </a:effectRef>
+          <a:fontRef idx="minor">
+            <a:schemeClr val="dk1"/>
+          </a:fontRef>
+        </p:style>
+      </p:cxnSp>
+      <p:sp>
+        <p:nvSpPr>
+          <p:cNvPr id="53" name="Rectangle 8">
+            <a:extLst>
+              <a:ext uri="{FF2B5EF4-FFF2-40B4-BE49-F238E27FC236}">
+                <a16:creationId xmlns:a16="http://schemas.microsoft.com/office/drawing/2014/main" id="{70E41474-8DE4-404D-9441-2995FDA9961A}"/>
+              </a:ext>
+            </a:extLst>
+          </p:cNvPr>
+          <p:cNvSpPr/>
+          <p:nvPr/>
+        </p:nvSpPr>
+        <p:spPr>
+          <a:xfrm>
+            <a:off x="5500231" y="4957694"/>
+            <a:ext cx="1200707" cy="346760"/>
+          </a:xfrm>
+          <a:prstGeom prst="rect">
+            <a:avLst/>
+          </a:prstGeom>
+          <a:ln w="19050"/>
+          <a:effectLst/>
+        </p:spPr>
+        <p:style>
+          <a:lnRef idx="1">
+            <a:schemeClr val="accent6"/>
+          </a:lnRef>
+          <a:fillRef idx="2">
+            <a:schemeClr val="accent6"/>
+          </a:fillRef>
+          <a:effectRef idx="1">
+            <a:schemeClr val="accent6"/>
+          </a:effectRef>
+          <a:fontRef idx="minor">
+            <a:schemeClr val="dk1"/>
+          </a:fontRef>
+        </p:style>
+        <p:txBody>
+          <a:bodyPr rtlCol="0" anchor="ctr"/>
+          <a:lstStyle/>
+          <a:p>
+            <a:pPr algn="ctr"/>
+            <a:r>
+              <a:rPr lang="en-US" sz="1050" b="1" dirty="0">
+                <a:solidFill>
+                  <a:schemeClr val="accent6">
+                    <a:lumMod val="75000"/>
+                  </a:schemeClr>
+                </a:solidFill>
+              </a:rPr>
+              <a:t>XmlSerializable</a:t>
+            </a:r>
+            <a:br>
+              <a:rPr lang="en-US" sz="1050" b="1" dirty="0">
+                <a:solidFill>
+                  <a:schemeClr val="accent6">
+                    <a:lumMod val="75000"/>
+                  </a:schemeClr>
+                </a:solidFill>
+              </a:rPr>
+            </a:br>
+            <a:r>
+              <a:rPr lang="en-US" sz="1050" b="1" dirty="0">
+                <a:solidFill>
+                  <a:schemeClr val="accent6">
+                    <a:lumMod val="75000"/>
+                  </a:schemeClr>
+                </a:solidFill>
+              </a:rPr>
+              <a:t>Account</a:t>
+            </a:r>
+            <a:endParaRPr lang="en-SG" sz="1050" b="1" dirty="0">
+              <a:solidFill>
+                <a:schemeClr val="accent6">
+                  <a:lumMod val="75000"/>
+                </a:schemeClr>
+              </a:solidFill>
+            </a:endParaRPr>
+          </a:p>
+        </p:txBody>
+      </p:sp>
+      <p:cxnSp>
+        <p:nvCxnSpPr>
+          <p:cNvPr id="55" name="Elbow Connector 122">
+            <a:extLst>
+              <a:ext uri="{FF2B5EF4-FFF2-40B4-BE49-F238E27FC236}">
+                <a16:creationId xmlns:a16="http://schemas.microsoft.com/office/drawing/2014/main" id="{54E73566-62B2-41A4-BE26-462AC3D816A7}"/>
+              </a:ext>
+            </a:extLst>
+          </p:cNvPr>
+          <p:cNvCxnSpPr/>
+          <p:nvPr/>
+        </p:nvCxnSpPr>
+        <p:spPr>
+          <a:xfrm flipV="1">
+            <a:off x="6700938" y="5142736"/>
+            <a:ext cx="395231" cy="786"/>
+          </a:xfrm>
+          <a:prstGeom prst="bentConnector3">
+            <a:avLst>
+              <a:gd name="adj1" fmla="val 50000"/>
+            </a:avLst>
+          </a:prstGeom>
+          <a:ln w="19050">
+            <a:prstDash val="sysDot"/>
+            <a:headEnd type="none" w="med" len="med"/>
+            <a:tailEnd type="arrow" w="med" len="med"/>
+          </a:ln>
+          <a:effectLst/>
+        </p:spPr>
+        <p:style>
+          <a:lnRef idx="1">
+            <a:schemeClr val="accent6"/>
+          </a:lnRef>
+          <a:fillRef idx="2">
+            <a:schemeClr val="accent6"/>
+          </a:fillRef>
+          <a:effectRef idx="1">
+            <a:schemeClr val="accent6"/>
+          </a:effectRef>
+          <a:fontRef idx="minor">
+            <a:schemeClr val="dk1"/>
+          </a:fontRef>
+        </p:style>
+      </p:cxnSp>
+      <p:sp>
+        <p:nvSpPr>
+          <p:cNvPr id="57" name="Rectangle 8">
+            <a:extLst>
+              <a:ext uri="{FF2B5EF4-FFF2-40B4-BE49-F238E27FC236}">
+                <a16:creationId xmlns:a16="http://schemas.microsoft.com/office/drawing/2014/main" id="{E8CA7B22-92C2-4807-A2B1-EC72CDE72DE3}"/>
+              </a:ext>
+            </a:extLst>
+          </p:cNvPr>
+          <p:cNvSpPr/>
+          <p:nvPr/>
+        </p:nvSpPr>
+        <p:spPr>
+          <a:xfrm>
+            <a:off x="7096168" y="4921805"/>
+            <a:ext cx="1418273" cy="346760"/>
+          </a:xfrm>
+          <a:prstGeom prst="rect">
+            <a:avLst/>
+          </a:prstGeom>
+          <a:ln w="19050"/>
+          <a:effectLst/>
+        </p:spPr>
+        <p:style>
+          <a:lnRef idx="1">
+            <a:schemeClr val="accent6"/>
+          </a:lnRef>
+          <a:fillRef idx="2">
+            <a:schemeClr val="accent6"/>
+          </a:fillRef>
+          <a:effectRef idx="1">
+            <a:schemeClr val="accent6"/>
+          </a:effectRef>
+          <a:fontRef idx="minor">
+            <a:schemeClr val="dk1"/>
+          </a:fontRef>
+        </p:style>
+        <p:txBody>
+          <a:bodyPr rtlCol="0" anchor="ctr"/>
+          <a:lstStyle/>
+          <a:p>
+            <a:pPr algn="ctr"/>
+            <a:r>
+              <a:rPr lang="en-US" sz="1050" b="1" dirty="0" err="1">
+                <a:solidFill>
+                  <a:schemeClr val="accent6">
+                    <a:lumMod val="75000"/>
+                  </a:schemeClr>
+                </a:solidFill>
+              </a:rPr>
+              <a:t>XmlAdaptedUser</a:t>
             </a:r>
             <a:endParaRPr lang="en-SG" sz="1050" b="1" dirty="0">
               <a:solidFill>
@@ -5481,13 +6087,6 @@
   <p:clrMapOvr>
     <a:masterClrMapping/>
   </p:clrMapOvr>
-  <p:timing>
-    <p:tnLst>
-      <p:par>
-        <p:cTn id="1" dur="indefinite" restart="never" nodeType="tmRoot"/>
-      </p:par>
-    </p:tnLst>
-  </p:timing>
 </p:sld>
 </file>
 
